--- a/murach_html_4e/slides/Chapter 1 slides (Revised).pptx
+++ b/murach_html_4e/slides/Chapter 1 slides (Revised).pptx
@@ -206,6 +206,14 @@
 </p:presentation>
 </file>
 
+<file path=ppt/revisionInfo.xml><?xml version="1.0" encoding="utf-8"?>
+<p1510:revInfo xmlns:a="http://schemas.openxmlformats.org/drawingml/2006/main" xmlns:r="http://schemas.openxmlformats.org/officeDocument/2006/relationships" xmlns:p1510="http://schemas.microsoft.com/office/powerpoint/2015/10/main">
+  <p1510:revLst>
+    <p1510:client id="{92ACCBF6-8059-412B-A42A-309330ADD22C}" v="1" dt="2020-08-28T14:09:22.193"/>
+  </p1510:revLst>
+</p1510:revInfo>
+</file>
+
 <file path=ppt/handoutMasters/handoutMaster1.xml><?xml version="1.0" encoding="utf-8"?>
 <p:handoutMaster xmlns:a="http://schemas.openxmlformats.org/drawingml/2006/main" xmlns:r="http://schemas.openxmlformats.org/officeDocument/2006/relationships" xmlns:p="http://schemas.openxmlformats.org/presentationml/2006/main">
   <p:cSld>
@@ -374,7 +382,7 @@
               <a:pPr>
                 <a:defRPr/>
               </a:pPr>
-              <a:t>6/16/2020</a:t>
+              <a:t>8/28/2020</a:t>
             </a:fld>
             <a:endParaRPr lang="en-US"/>
           </a:p>
@@ -7088,7 +7096,7 @@
         </p:blipFill>
         <p:spPr>
           <a:xfrm>
-            <a:off x="914400" y="1143000"/>
+            <a:off x="1122439" y="1033945"/>
             <a:ext cx="6899121" cy="4800600"/>
           </a:xfrm>
           <a:prstGeom prst="rect">
